--- a/Spring Security.pptx
+++ b/Spring Security.pptx
@@ -106,6 +106,11 @@
       </a:defRPr>
     </a:lvl9pPr>
   </p:defaultTextStyle>
+  <p:extLst>
+    <p:ext uri="{EFAFB233-063F-42B5-8137-9DF3F51BA10A}">
+      <p15:sldGuideLst xmlns:p15="http://schemas.microsoft.com/office/powerpoint/2012/main"/>
+    </p:ext>
+  </p:extLst>
 </p:presentation>
 </file>
 
@@ -4126,14 +4131,108 @@
         </p:blipFill>
         <p:spPr>
           <a:xfrm>
-            <a:off x="582630" y="905635"/>
-            <a:ext cx="8992855" cy="5163271"/>
+            <a:off x="0" y="0"/>
+            <a:ext cx="5703674" cy="3274780"/>
           </a:xfrm>
           <a:prstGeom prst="rect">
             <a:avLst/>
           </a:prstGeom>
         </p:spPr>
       </p:pic>
+      <p:pic>
+        <p:nvPicPr>
+          <p:cNvPr id="2" name="그림 1"/>
+          <p:cNvPicPr>
+            <a:picLocks noChangeAspect="1"/>
+          </p:cNvPicPr>
+          <p:nvPr/>
+        </p:nvPicPr>
+        <p:blipFill>
+          <a:blip r:embed="rId3"/>
+          <a:stretch>
+            <a:fillRect/>
+          </a:stretch>
+        </p:blipFill>
+        <p:spPr>
+          <a:xfrm>
+            <a:off x="6695720" y="0"/>
+            <a:ext cx="5496280" cy="3332722"/>
+          </a:xfrm>
+          <a:prstGeom prst="rect">
+            <a:avLst/>
+          </a:prstGeom>
+        </p:spPr>
+      </p:pic>
+      <p:sp>
+        <p:nvSpPr>
+          <p:cNvPr id="3" name="TextBox 2"/>
+          <p:cNvSpPr txBox="1"/>
+          <p:nvPr/>
+        </p:nvSpPr>
+        <p:spPr>
+          <a:xfrm>
+            <a:off x="650631" y="4026877"/>
+            <a:ext cx="11605678" cy="369332"/>
+          </a:xfrm>
+          <a:prstGeom prst="rect">
+            <a:avLst/>
+          </a:prstGeom>
+          <a:noFill/>
+        </p:spPr>
+        <p:txBody>
+          <a:bodyPr wrap="none" rtlCol="0">
+            <a:spAutoFit/>
+          </a:bodyPr>
+          <a:lstStyle/>
+          <a:p>
+            <a:r>
+              <a:rPr lang="en-US" altLang="ko-KR" dirty="0" smtClean="0"/>
+              <a:t>@</a:t>
+            </a:r>
+            <a:r>
+              <a:rPr lang="en-US" altLang="ko-KR" dirty="0" err="1" smtClean="0"/>
+              <a:t>AuthenticationPrincipal</a:t>
+            </a:r>
+            <a:r>
+              <a:rPr lang="en-US" altLang="ko-KR" dirty="0" smtClean="0"/>
+              <a:t> </a:t>
+            </a:r>
+            <a:r>
+              <a:rPr lang="en-US" altLang="ko-KR" dirty="0" err="1" smtClean="0"/>
+              <a:t>UserDetails</a:t>
+            </a:r>
+            <a:r>
+              <a:rPr lang="en-US" altLang="ko-KR" dirty="0" smtClean="0"/>
+              <a:t> user &lt;- @</a:t>
+            </a:r>
+            <a:r>
+              <a:rPr lang="en-US" altLang="ko-KR" dirty="0" err="1" smtClean="0"/>
+              <a:t>UserSession</a:t>
+            </a:r>
+            <a:r>
+              <a:rPr lang="ko-KR" altLang="en-US" dirty="0" smtClean="0"/>
+              <a:t>과 동일</a:t>
+            </a:r>
+            <a:r>
+              <a:rPr lang="en-US" altLang="ko-KR" dirty="0"/>
+              <a:t> </a:t>
+            </a:r>
+            <a:r>
+              <a:rPr lang="en-US" altLang="ko-KR" dirty="0" smtClean="0"/>
+              <a:t>Session</a:t>
+            </a:r>
+            <a:r>
+              <a:rPr lang="ko-KR" altLang="en-US" dirty="0" smtClean="0"/>
+              <a:t>이 있을 경우 사용 가능</a:t>
+            </a:r>
+            <a:r>
+              <a:rPr lang="en-US" altLang="ko-KR" dirty="0" smtClean="0"/>
+              <a:t>(custom?)</a:t>
+            </a:r>
+            <a:endParaRPr lang="ko-KR" altLang="en-US" dirty="0"/>
+          </a:p>
+        </p:txBody>
+      </p:sp>
     </p:spTree>
     <p:extLst>
       <p:ext uri="{BB962C8B-B14F-4D97-AF65-F5344CB8AC3E}">
